--- a/AttendEase-Poster.pptx
+++ b/AttendEase-Poster.pptx
@@ -197,7 +197,7 @@
           <a:p>
             <a:fld id="{88B29C71-2C78-41C3-9E19-91EA8243E3ED}" type="datetimeFigureOut">
               <a:rPr lang="en-US" smtClean="0"/>
-              <a:t>12/17/2024</a:t>
+              <a:t>12/24/2024</a:t>
             </a:fld>
             <a:endParaRPr lang="en-US"/>
           </a:p>
@@ -695,7 +695,7 @@
           <a:p>
             <a:fld id="{D408C905-DC93-433E-B52D-833903CCB03B}" type="datetimeFigureOut">
               <a:rPr lang="en-US" smtClean="0"/>
-              <a:t>12/17/2024</a:t>
+              <a:t>12/24/2024</a:t>
             </a:fld>
             <a:endParaRPr lang="en-US"/>
           </a:p>
@@ -893,7 +893,7 @@
           <a:p>
             <a:fld id="{D408C905-DC93-433E-B52D-833903CCB03B}" type="datetimeFigureOut">
               <a:rPr lang="en-US" smtClean="0"/>
-              <a:t>12/17/2024</a:t>
+              <a:t>12/24/2024</a:t>
             </a:fld>
             <a:endParaRPr lang="en-US"/>
           </a:p>
@@ -1101,7 +1101,7 @@
           <a:p>
             <a:fld id="{D408C905-DC93-433E-B52D-833903CCB03B}" type="datetimeFigureOut">
               <a:rPr lang="en-US" smtClean="0"/>
-              <a:t>12/17/2024</a:t>
+              <a:t>12/24/2024</a:t>
             </a:fld>
             <a:endParaRPr lang="en-US"/>
           </a:p>
@@ -1299,7 +1299,7 @@
           <a:p>
             <a:fld id="{D408C905-DC93-433E-B52D-833903CCB03B}" type="datetimeFigureOut">
               <a:rPr lang="en-US" smtClean="0"/>
-              <a:t>12/17/2024</a:t>
+              <a:t>12/24/2024</a:t>
             </a:fld>
             <a:endParaRPr lang="en-US"/>
           </a:p>
@@ -1574,7 +1574,7 @@
           <a:p>
             <a:fld id="{D408C905-DC93-433E-B52D-833903CCB03B}" type="datetimeFigureOut">
               <a:rPr lang="en-US" smtClean="0"/>
-              <a:t>12/17/2024</a:t>
+              <a:t>12/24/2024</a:t>
             </a:fld>
             <a:endParaRPr lang="en-US"/>
           </a:p>
@@ -1839,7 +1839,7 @@
           <a:p>
             <a:fld id="{D408C905-DC93-433E-B52D-833903CCB03B}" type="datetimeFigureOut">
               <a:rPr lang="en-US" smtClean="0"/>
-              <a:t>12/17/2024</a:t>
+              <a:t>12/24/2024</a:t>
             </a:fld>
             <a:endParaRPr lang="en-US"/>
           </a:p>
@@ -2251,7 +2251,7 @@
           <a:p>
             <a:fld id="{D408C905-DC93-433E-B52D-833903CCB03B}" type="datetimeFigureOut">
               <a:rPr lang="en-US" smtClean="0"/>
-              <a:t>12/17/2024</a:t>
+              <a:t>12/24/2024</a:t>
             </a:fld>
             <a:endParaRPr lang="en-US"/>
           </a:p>
@@ -2392,7 +2392,7 @@
           <a:p>
             <a:fld id="{D408C905-DC93-433E-B52D-833903CCB03B}" type="datetimeFigureOut">
               <a:rPr lang="en-US" smtClean="0"/>
-              <a:t>12/17/2024</a:t>
+              <a:t>12/24/2024</a:t>
             </a:fld>
             <a:endParaRPr lang="en-US"/>
           </a:p>
@@ -2505,7 +2505,7 @@
           <a:p>
             <a:fld id="{D408C905-DC93-433E-B52D-833903CCB03B}" type="datetimeFigureOut">
               <a:rPr lang="en-US" smtClean="0"/>
-              <a:t>12/17/2024</a:t>
+              <a:t>12/24/2024</a:t>
             </a:fld>
             <a:endParaRPr lang="en-US"/>
           </a:p>
@@ -2816,7 +2816,7 @@
           <a:p>
             <a:fld id="{D408C905-DC93-433E-B52D-833903CCB03B}" type="datetimeFigureOut">
               <a:rPr lang="en-US" smtClean="0"/>
-              <a:t>12/17/2024</a:t>
+              <a:t>12/24/2024</a:t>
             </a:fld>
             <a:endParaRPr lang="en-US"/>
           </a:p>
@@ -3104,7 +3104,7 @@
           <a:p>
             <a:fld id="{D408C905-DC93-433E-B52D-833903CCB03B}" type="datetimeFigureOut">
               <a:rPr lang="en-US" smtClean="0"/>
-              <a:t>12/17/2024</a:t>
+              <a:t>12/24/2024</a:t>
             </a:fld>
             <a:endParaRPr lang="en-US"/>
           </a:p>
@@ -3345,7 +3345,7 @@
           <a:p>
             <a:fld id="{D408C905-DC93-433E-B52D-833903CCB03B}" type="datetimeFigureOut">
               <a:rPr lang="en-US" smtClean="0"/>
-              <a:t>12/17/2024</a:t>
+              <a:t>12/24/2024</a:t>
             </a:fld>
             <a:endParaRPr lang="en-US"/>
           </a:p>
@@ -4845,7 +4845,7 @@
         <p:spPr>
           <a:xfrm>
             <a:off x="6286377" y="1780468"/>
-            <a:ext cx="5750174" cy="1061829"/>
+            <a:ext cx="5750174" cy="1338828"/>
           </a:xfrm>
           <a:prstGeom prst="rect">
             <a:avLst/>
@@ -4858,51 +4858,54 @@
           </a:bodyPr>
           <a:lstStyle/>
           <a:p>
+            <a:pPr marL="171450" indent="-171450">
+              <a:buFont typeface="Arial" panose="020B0604020202020204" pitchFamily="34" charset="0"/>
+              <a:buChar char="•"/>
+            </a:pPr>
             <a:endParaRPr lang="en-US" sz="900" dirty="0"/>
           </a:p>
           <a:p>
+            <a:pPr marL="171450" indent="-171450">
+              <a:buFont typeface="Arial" panose="020B0604020202020204" pitchFamily="34" charset="0"/>
+              <a:buChar char="•"/>
+            </a:pPr>
             <a:r>
               <a:rPr lang="en-US" sz="900" dirty="0"/>
-              <a:t>The pipeline starts with augmenting the limited initial dataset of 5–10 images per individual using techniques like rotation, scaling, flipping, and brightness adjustment to create a diverse dataset. MTCNN is then used for precise face localization, detecting and aligning faces in both augmented images and group photos. The localized face data is fed into three models—custom CNN, ResNet50, and VGG—for training, with parameters like learning rates and epoch counts optimized. The models are evaluated on accuracy and computational efficiency, and the best-performing model is deployed for real-time attendance tracking through facial recognition.</a:t>
-            </a:r>
-          </a:p>
-        </p:txBody>
-      </p:sp>
-      <p:pic>
-        <p:nvPicPr>
-          <p:cNvPr id="58" name="Picture 57">
-            <a:extLst>
-              <a:ext uri="{FF2B5EF4-FFF2-40B4-BE49-F238E27FC236}">
-                <a16:creationId xmlns:a16="http://schemas.microsoft.com/office/drawing/2014/main" id="{FE7423F0-93BC-8B4E-8ADC-1021023147DB}"/>
-              </a:ext>
-            </a:extLst>
-          </p:cNvPr>
-          <p:cNvPicPr>
-            <a:picLocks noChangeAspect="1"/>
-          </p:cNvPicPr>
-          <p:nvPr/>
-        </p:nvPicPr>
-        <p:blipFill>
-          <a:blip r:embed="rId3">
-            <a:extLst>
-              <a:ext uri="{28A0092B-C50C-407E-A947-70E740481C1C}">
-                <a14:useLocalDpi xmlns:a14="http://schemas.microsoft.com/office/drawing/2010/main" val="0"/>
-              </a:ext>
-            </a:extLst>
-          </a:blip>
-          <a:srcRect/>
-          <a:stretch/>
-        </p:blipFill>
-        <p:spPr>
-          <a:xfrm>
-            <a:off x="6217761" y="2982592"/>
-            <a:ext cx="5845845" cy="923028"/>
-          </a:xfrm>
-          <a:prstGeom prst="rect">
-            <a:avLst/>
-          </a:prstGeom>
-        </p:spPr>
-      </p:pic>
+              <a:t>The pipeline starts with augmenting the limited initial dataset of 5–10 images per individual using techniques like rotation, scaling, flipping, and brightness adjustment to create a diverse dataset. </a:t>
+            </a:r>
+          </a:p>
+          <a:p>
+            <a:pPr marL="171450" indent="-171450">
+              <a:buFont typeface="Arial" panose="020B0604020202020204" pitchFamily="34" charset="0"/>
+              <a:buChar char="•"/>
+            </a:pPr>
+            <a:r>
+              <a:rPr lang="en-US" sz="900" dirty="0"/>
+              <a:t>MTCNN is then used for precise face localization, detecting and aligning faces in both augmented images and group photos. </a:t>
+            </a:r>
+          </a:p>
+          <a:p>
+            <a:pPr marL="171450" indent="-171450">
+              <a:buFont typeface="Arial" panose="020B0604020202020204" pitchFamily="34" charset="0"/>
+              <a:buChar char="•"/>
+            </a:pPr>
+            <a:r>
+              <a:rPr lang="en-US" sz="900" dirty="0"/>
+              <a:t>The localized face data is fed into three models—custom CNN, ResNet50, and VGG—for training, with parameters like learning rates and epoch counts optimized. </a:t>
+            </a:r>
+          </a:p>
+          <a:p>
+            <a:pPr marL="171450" indent="-171450">
+              <a:buFont typeface="Arial" panose="020B0604020202020204" pitchFamily="34" charset="0"/>
+              <a:buChar char="•"/>
+            </a:pPr>
+            <a:r>
+              <a:rPr lang="en-US" sz="900" dirty="0"/>
+              <a:t>The models are evaluated on accuracy and computational efficiency, and the best-performing model is deployed for real-time attendance tracking through facial recognition.</a:t>
+            </a:r>
+          </a:p>
+        </p:txBody>
+      </p:sp>
       <p:sp>
         <p:nvSpPr>
           <p:cNvPr id="95" name="Rectangle 94">
@@ -5194,7 +5197,7 @@
           <p:nvPr/>
         </p:nvPicPr>
         <p:blipFill>
-          <a:blip r:embed="rId4">
+          <a:blip r:embed="rId3">
             <a:extLst>
               <a:ext uri="{28A0092B-C50C-407E-A947-70E740481C1C}">
                 <a14:useLocalDpi xmlns:a14="http://schemas.microsoft.com/office/drawing/2010/main" val="0"/>
@@ -5229,7 +5232,7 @@
           <p:nvPr/>
         </p:nvPicPr>
         <p:blipFill rotWithShape="1">
-          <a:blip r:embed="rId5">
+          <a:blip r:embed="rId4">
             <a:extLst>
               <a:ext uri="{28A0092B-C50C-407E-A947-70E740481C1C}">
                 <a14:useLocalDpi xmlns:a14="http://schemas.microsoft.com/office/drawing/2010/main" val="0"/>
@@ -5274,7 +5277,7 @@
           <p:nvPr/>
         </p:nvPicPr>
         <p:blipFill>
-          <a:blip r:embed="rId6">
+          <a:blip r:embed="rId5">
             <a:extLst>
               <a:ext uri="{28A0092B-C50C-407E-A947-70E740481C1C}">
                 <a14:useLocalDpi xmlns:a14="http://schemas.microsoft.com/office/drawing/2010/main" val="0"/>
@@ -5321,7 +5324,7 @@
           <p:nvPr/>
         </p:nvPicPr>
         <p:blipFill>
-          <a:blip r:embed="rId7">
+          <a:blip r:embed="rId6">
             <a:extLst>
               <a:ext uri="{28A0092B-C50C-407E-A947-70E740481C1C}">
                 <a14:useLocalDpi xmlns:a14="http://schemas.microsoft.com/office/drawing/2010/main" val="0"/>
@@ -5368,7 +5371,7 @@
           <p:nvPr/>
         </p:nvPicPr>
         <p:blipFill>
-          <a:blip r:embed="rId8">
+          <a:blip r:embed="rId7">
             <a:extLst>
               <a:ext uri="{28A0092B-C50C-407E-A947-70E740481C1C}">
                 <a14:useLocalDpi xmlns:a14="http://schemas.microsoft.com/office/drawing/2010/main" val="0"/>
@@ -5652,6 +5655,42 @@
           </a:p>
         </p:txBody>
       </p:sp>
+      <p:pic>
+        <p:nvPicPr>
+          <p:cNvPr id="14" name="Picture 13">
+            <a:extLst>
+              <a:ext uri="{FF2B5EF4-FFF2-40B4-BE49-F238E27FC236}">
+                <a16:creationId xmlns:a16="http://schemas.microsoft.com/office/drawing/2014/main" id="{E3AE707A-9771-D99C-9A10-769E54B9A850}"/>
+              </a:ext>
+            </a:extLst>
+          </p:cNvPr>
+          <p:cNvPicPr>
+            <a:picLocks noChangeAspect="1"/>
+          </p:cNvPicPr>
+          <p:nvPr/>
+        </p:nvPicPr>
+        <p:blipFill>
+          <a:blip r:embed="rId8">
+            <a:extLst>
+              <a:ext uri="{28A0092B-C50C-407E-A947-70E740481C1C}">
+                <a14:useLocalDpi xmlns:a14="http://schemas.microsoft.com/office/drawing/2010/main" val="0"/>
+              </a:ext>
+            </a:extLst>
+          </a:blip>
+          <a:stretch>
+            <a:fillRect/>
+          </a:stretch>
+        </p:blipFill>
+        <p:spPr>
+          <a:xfrm>
+            <a:off x="6262546" y="3162032"/>
+            <a:ext cx="5822421" cy="919329"/>
+          </a:xfrm>
+          <a:prstGeom prst="rect">
+            <a:avLst/>
+          </a:prstGeom>
+        </p:spPr>
+      </p:pic>
     </p:spTree>
     <p:extLst>
       <p:ext uri="{BB962C8B-B14F-4D97-AF65-F5344CB8AC3E}">
@@ -6265,6 +6304,12 @@
 </file>
 
 <file path=customXml/item2.xml><?xml version="1.0" encoding="utf-8"?>
+<p:properties xmlns:p="http://schemas.microsoft.com/office/2006/metadata/properties" xmlns:xsi="http://www.w3.org/2001/XMLSchema-instance" xmlns:pc="http://schemas.microsoft.com/office/infopath/2007/PartnerControls">
+  <documentManagement/>
+</p:properties>
+</file>
+
+<file path=customXml/item3.xml><?xml version="1.0" encoding="utf-8"?>
 <ct:contentTypeSchema xmlns:ct="http://schemas.microsoft.com/office/2006/metadata/contentType" xmlns:ma="http://schemas.microsoft.com/office/2006/metadata/properties/metaAttributes" ct:_="" ma:_="" ma:contentTypeName="Document" ma:contentTypeID="0x010100D274B2D03A27E141A81CBF10B1E887CC" ma:contentTypeVersion="6" ma:contentTypeDescription="Create a new document." ma:contentTypeScope="" ma:versionID="c0360972b09a85023044781a3a2a8b58">
   <xsd:schema xmlns:xsd="http://www.w3.org/2001/XMLSchema" xmlns:xs="http://www.w3.org/2001/XMLSchema" xmlns:p="http://schemas.microsoft.com/office/2006/metadata/properties" xmlns:ns2="2cfdd557-5c64-4d90-b7c3-7fb7dfd4ffde" xmlns:ns3="26ee4671-bdec-4a8a-a03f-525310672eb6" targetNamespace="http://schemas.microsoft.com/office/2006/metadata/properties" ma:root="true" ma:fieldsID="66bc3f62694c3b99568ab5946536ac8b" ns2:_="" ns3:_="">
     <xsd:import namespace="2cfdd557-5c64-4d90-b7c3-7fb7dfd4ffde"/>
@@ -6441,12 +6486,6 @@
 </ct:contentTypeSchema>
 </file>
 
-<file path=customXml/item3.xml><?xml version="1.0" encoding="utf-8"?>
-<p:properties xmlns:p="http://schemas.microsoft.com/office/2006/metadata/properties" xmlns:xsi="http://www.w3.org/2001/XMLSchema-instance" xmlns:pc="http://schemas.microsoft.com/office/infopath/2007/PartnerControls">
-  <documentManagement/>
-</p:properties>
-</file>
-
 <file path=customXml/itemProps1.xml><?xml version="1.0" encoding="utf-8"?>
 <ds:datastoreItem xmlns:ds="http://schemas.openxmlformats.org/officeDocument/2006/customXml" ds:itemID="{0FDC7662-4D46-449B-9B76-E472C08F0EE9}">
   <ds:schemaRefs>
@@ -6456,6 +6495,15 @@
 </file>
 
 <file path=customXml/itemProps2.xml><?xml version="1.0" encoding="utf-8"?>
+<ds:datastoreItem xmlns:ds="http://schemas.openxmlformats.org/officeDocument/2006/customXml" ds:itemID="{21B60D38-9726-4704-A0B8-D05166EDAD79}">
+  <ds:schemaRefs>
+    <ds:schemaRef ds:uri="http://schemas.microsoft.com/office/2006/metadata/properties"/>
+    <ds:schemaRef ds:uri="http://schemas.microsoft.com/office/infopath/2007/PartnerControls"/>
+  </ds:schemaRefs>
+</ds:datastoreItem>
+</file>
+
+<file path=customXml/itemProps3.xml><?xml version="1.0" encoding="utf-8"?>
 <ds:datastoreItem xmlns:ds="http://schemas.openxmlformats.org/officeDocument/2006/customXml" ds:itemID="{6A1AC047-C46D-4EB1-80E0-324EFB9F5D90}">
   <ds:schemaRefs>
     <ds:schemaRef ds:uri="http://schemas.microsoft.com/office/2006/metadata/contentType"/>
@@ -6472,13 +6520,4 @@
     <ds:schemaRef ds:uri="http://schemas.microsoft.com/internal/obd"/>
   </ds:schemaRefs>
 </ds:datastoreItem>
-</file>
-
-<file path=customXml/itemProps3.xml><?xml version="1.0" encoding="utf-8"?>
-<ds:datastoreItem xmlns:ds="http://schemas.openxmlformats.org/officeDocument/2006/customXml" ds:itemID="{21B60D38-9726-4704-A0B8-D05166EDAD79}">
-  <ds:schemaRefs>
-    <ds:schemaRef ds:uri="http://schemas.microsoft.com/office/2006/metadata/properties"/>
-    <ds:schemaRef ds:uri="http://schemas.microsoft.com/office/infopath/2007/PartnerControls"/>
-  </ds:schemaRefs>
-</ds:datastoreItem>
 </file>